--- a/Presentation.pptx
+++ b/Presentation.pptx
@@ -44621,7 +44621,7 @@
                 <a:cs typeface="Questrial"/>
                 <a:sym typeface="Questrial"/>
               </a:rPr>
-              <a:t>Whenever there is a sale, the quantities of the respective products to be sold are verified in the different warehouses of the store. If at the time the product doesn’t exist in a particular warehouse, a replacement order is issued for the product that has been sold out, since all warehouses must have some quantity of all products.</a:t>
+              <a:t>Whenever there is a sale, the quantities of the respective products to be sold are verified in the different warehouses of the store. If at the time the product doesn’t exist in a particular warehouse, a replacement order is issued for the product that has been sold out, since all warehouses must have a positive quantity of all products.</a:t>
             </a:r>
             <a:endParaRPr sz="3000">
               <a:latin typeface="Questrial"/>
@@ -45195,7 +45195,7 @@
                 <a:cs typeface="Questrial"/>
                 <a:sym typeface="Questrial"/>
               </a:rPr>
-              <a:t>" and re-run the tests. The class "</a:t>
+              <a:t>" and rerun the tests. The class "</a:t>
             </a:r>
             <a:r>
               <a:rPr b="1" lang="pt-PT" sz="3000">
@@ -45213,7 +45213,16 @@
                 <a:cs typeface="Questrial"/>
                 <a:sym typeface="Questrial"/>
               </a:rPr>
-              <a:t>" won’t pass the tests developed. Each student should then find the error in the code that causes that problem and should correct it. After correcting the source code, you should run the tests again to verify if all tests are finally passing.</a:t>
+              <a:t>" won’t pass the tests developed. Each student should then find the error in the code that causes that problem and</a:t>
+            </a:r>
+            <a:r>
+              <a:rPr lang="pt-PT" sz="3000">
+                <a:latin typeface="Questrial"/>
+                <a:ea typeface="Questrial"/>
+                <a:cs typeface="Questrial"/>
+                <a:sym typeface="Questrial"/>
+              </a:rPr>
+              <a:t> should correct it to make all the tests pass.</a:t>
             </a:r>
             <a:endParaRPr sz="3000">
               <a:latin typeface="Questrial"/>
@@ -45924,7 +45933,7 @@
                 <a:cs typeface="Questrial"/>
                 <a:sym typeface="Questrial"/>
               </a:rPr>
-              <a:t>Now, you will exercise </a:t>
+              <a:t>Now, you will use </a:t>
             </a:r>
             <a:r>
               <a:rPr b="1" lang="pt-PT" sz="3000">
@@ -45934,6 +45943,24 @@
                 <a:sym typeface="Questrial"/>
               </a:rPr>
               <a:t>TDD </a:t>
+            </a:r>
+            <a:r>
+              <a:rPr lang="pt-PT" sz="3000">
+                <a:latin typeface="Questrial"/>
+                <a:ea typeface="Questrial"/>
+                <a:cs typeface="Questrial"/>
+                <a:sym typeface="Questrial"/>
+              </a:rPr>
+              <a:t>method</a:t>
+            </a:r>
+            <a:r>
+              <a:rPr b="1" lang="pt-PT" sz="3000">
+                <a:latin typeface="Questrial"/>
+                <a:ea typeface="Questrial"/>
+                <a:cs typeface="Questrial"/>
+                <a:sym typeface="Questrial"/>
+              </a:rPr>
+              <a:t> </a:t>
             </a:r>
             <a:r>
               <a:rPr lang="pt-PT" sz="3000">
@@ -46665,7 +46692,7 @@
                 <a:cs typeface="Questrial"/>
                 <a:sym typeface="Questrial"/>
               </a:rPr>
-              <a:t>After creating your source code, you should re-run the test function to verify that your code is correct.</a:t>
+              <a:t>After creating your source code, you should rerun the test function to verify that your code is correct.</a:t>
             </a:r>
             <a:endParaRPr b="0" i="0" sz="2600" u="none" cap="none" strike="noStrike">
               <a:solidFill>
